--- a/Presentazione/KaleidosCode - Intro.pptx
+++ b/Presentazione/KaleidosCode - Intro.pptx
@@ -8,9 +8,10 @@
     <p:sldId id="256" r:id="rId2"/>
     <p:sldId id="257" r:id="rId3"/>
     <p:sldId id="258" r:id="rId4"/>
-    <p:sldId id="259" r:id="rId5"/>
-    <p:sldId id="260" r:id="rId6"/>
-    <p:sldId id="261" r:id="rId7"/>
+    <p:sldId id="262" r:id="rId5"/>
+    <p:sldId id="259" r:id="rId6"/>
+    <p:sldId id="260" r:id="rId7"/>
+    <p:sldId id="261" r:id="rId8"/>
   </p:sldIdLst>
   <p:sldSz cx="12192000" cy="6858000"/>
   <p:notesSz cx="6858000" cy="9144000"/>
@@ -259,7 +260,7 @@
           <a:p>
             <a:fld id="{C764DE79-268F-4C1A-8933-263129D2AF90}" type="datetimeFigureOut">
               <a:rPr lang="en-US" dirty="0"/>
-              <a:t>4/10/2017</a:t>
+              <a:t>4/14/2017</a:t>
             </a:fld>
             <a:endParaRPr lang="en-US" dirty="0"/>
           </a:p>
@@ -424,7 +425,7 @@
           <a:p>
             <a:fld id="{C764DE79-268F-4C1A-8933-263129D2AF90}" type="datetimeFigureOut">
               <a:rPr lang="en-US" dirty="0"/>
-              <a:t>4/10/2017</a:t>
+              <a:t>4/14/2017</a:t>
             </a:fld>
             <a:endParaRPr lang="en-US" dirty="0"/>
           </a:p>
@@ -599,7 +600,7 @@
           <a:p>
             <a:fld id="{C764DE79-268F-4C1A-8933-263129D2AF90}" type="datetimeFigureOut">
               <a:rPr lang="en-US" dirty="0"/>
-              <a:t>4/10/2017</a:t>
+              <a:t>4/14/2017</a:t>
             </a:fld>
             <a:endParaRPr lang="en-US" dirty="0"/>
           </a:p>
@@ -764,7 +765,7 @@
           <a:p>
             <a:fld id="{C764DE79-268F-4C1A-8933-263129D2AF90}" type="datetimeFigureOut">
               <a:rPr lang="en-US" dirty="0"/>
-              <a:t>4/10/2017</a:t>
+              <a:t>4/14/2017</a:t>
             </a:fld>
             <a:endParaRPr lang="en-US" dirty="0"/>
           </a:p>
@@ -1005,7 +1006,7 @@
           <a:p>
             <a:fld id="{C764DE79-268F-4C1A-8933-263129D2AF90}" type="datetimeFigureOut">
               <a:rPr lang="en-US" dirty="0"/>
-              <a:t>4/10/2017</a:t>
+              <a:t>4/14/2017</a:t>
             </a:fld>
             <a:endParaRPr lang="en-US" dirty="0"/>
           </a:p>
@@ -1232,7 +1233,7 @@
           <a:p>
             <a:fld id="{C764DE79-268F-4C1A-8933-263129D2AF90}" type="datetimeFigureOut">
               <a:rPr lang="en-US" dirty="0"/>
-              <a:t>4/10/2017</a:t>
+              <a:t>4/14/2017</a:t>
             </a:fld>
             <a:endParaRPr lang="en-US" dirty="0"/>
           </a:p>
@@ -1594,7 +1595,7 @@
           <a:p>
             <a:fld id="{C764DE79-268F-4C1A-8933-263129D2AF90}" type="datetimeFigureOut">
               <a:rPr lang="en-US" dirty="0"/>
-              <a:t>4/10/2017</a:t>
+              <a:t>4/14/2017</a:t>
             </a:fld>
             <a:endParaRPr lang="en-US" dirty="0"/>
           </a:p>
@@ -1707,7 +1708,7 @@
           <a:p>
             <a:fld id="{C764DE79-268F-4C1A-8933-263129D2AF90}" type="datetimeFigureOut">
               <a:rPr lang="en-US" dirty="0"/>
-              <a:t>4/10/2017</a:t>
+              <a:t>4/14/2017</a:t>
             </a:fld>
             <a:endParaRPr lang="en-US" dirty="0"/>
           </a:p>
@@ -1797,7 +1798,7 @@
           <a:p>
             <a:fld id="{C764DE79-268F-4C1A-8933-263129D2AF90}" type="datetimeFigureOut">
               <a:rPr lang="en-US" dirty="0"/>
-              <a:t>4/10/2017</a:t>
+              <a:t>4/14/2017</a:t>
             </a:fld>
             <a:endParaRPr lang="en-US" dirty="0"/>
           </a:p>
@@ -2069,7 +2070,7 @@
           <a:p>
             <a:fld id="{C764DE79-268F-4C1A-8933-263129D2AF90}" type="datetimeFigureOut">
               <a:rPr lang="en-US" dirty="0"/>
-              <a:t>4/10/2017</a:t>
+              <a:t>4/14/2017</a:t>
             </a:fld>
             <a:endParaRPr lang="en-US" dirty="0"/>
           </a:p>
@@ -2321,7 +2322,7 @@
           <a:p>
             <a:fld id="{C764DE79-268F-4C1A-8933-263129D2AF90}" type="datetimeFigureOut">
               <a:rPr lang="en-US" dirty="0"/>
-              <a:t>4/10/2017</a:t>
+              <a:t>4/14/2017</a:t>
             </a:fld>
             <a:endParaRPr lang="en-US" dirty="0"/>
           </a:p>
@@ -2529,7 +2530,7 @@
           <a:p>
             <a:fld id="{C764DE79-268F-4C1A-8933-263129D2AF90}" type="datetimeFigureOut">
               <a:rPr lang="en-US" dirty="0"/>
-              <a:t>4/10/2017</a:t>
+              <a:t>4/14/2017</a:t>
             </a:fld>
             <a:endParaRPr lang="en-US" dirty="0"/>
           </a:p>
@@ -3216,35 +3217,33 @@
         <p:spPr>
           <a:xfrm>
             <a:off x="838200" y="1825625"/>
-            <a:ext cx="10515600" cy="1603375"/>
+            <a:ext cx="10515600" cy="4482306"/>
           </a:xfrm>
         </p:spPr>
         <p:txBody>
-          <a:bodyPr/>
+          <a:bodyPr>
+            <a:normAutofit/>
+          </a:bodyPr>
           <a:lstStyle/>
           <a:p>
             <a:r>
               <a:rPr lang="it-IT" dirty="0"/>
-              <a:t>Problema: relazione debole tra diagrammi stesi in fase di progettazione e codice prodotto in fase di realizzazione</a:t>
+              <a:t>Relazione debole tra diagrammi stesi in fase di progettazione e codice prodotto in fase di realizzazione</a:t>
             </a:r>
           </a:p>
           <a:p>
             <a:r>
               <a:rPr lang="it-IT" dirty="0"/>
-              <a:t>Soluzione: estendere UML con il </a:t>
-            </a:r>
-            <a:r>
-              <a:rPr lang="it-IT" dirty="0" err="1"/>
-              <a:t>Bubble</a:t>
-            </a:r>
+              <a:t>Obiettivo: generare automaticamente il codice dal diagramma UML garantirebbe un accoppiamento forte tra diagrammi e sorgente</a:t>
+            </a:r>
+          </a:p>
+          <a:p>
             <a:r>
               <a:rPr lang="it-IT" dirty="0"/>
-              <a:t> </a:t>
-            </a:r>
-            <a:r>
-              <a:rPr lang="it-IT" dirty="0" err="1"/>
-              <a:t>Flowchart</a:t>
-            </a:r>
+              <a:t>Problema: la traduzione diretta da UML a codice non è sempre possibile</a:t>
+            </a:r>
+          </a:p>
+          <a:p>
             <a:endParaRPr lang="it-IT" dirty="0"/>
           </a:p>
           <a:p>
@@ -3252,39 +3251,6 @@
               <a:buNone/>
             </a:pPr>
             <a:endParaRPr lang="it-IT" dirty="0"/>
-          </a:p>
-        </p:txBody>
-      </p:sp>
-      <p:sp>
-        <p:nvSpPr>
-          <p:cNvPr id="4" name="CasellaDiTesto 3"/>
-          <p:cNvSpPr txBox="1"/>
-          <p:nvPr/>
-        </p:nvSpPr>
-        <p:spPr>
-          <a:xfrm>
-            <a:off x="1071562" y="4086224"/>
-            <a:ext cx="10072687" cy="461665"/>
-          </a:xfrm>
-          <a:prstGeom prst="rect">
-            <a:avLst/>
-          </a:prstGeom>
-          <a:noFill/>
-        </p:spPr>
-        <p:txBody>
-          <a:bodyPr wrap="square" rtlCol="0">
-            <a:spAutoFit/>
-          </a:bodyPr>
-          <a:lstStyle/>
-          <a:p>
-            <a:r>
-              <a:rPr lang="it-IT" sz="2400" dirty="0" err="1"/>
-              <a:t>Bubble</a:t>
-            </a:r>
-            <a:r>
-              <a:rPr lang="it-IT" sz="2400" dirty="0"/>
-              <a:t> = «bolle» di software già predisposto in base al dominio di applicazione</a:t>
-            </a:r>
           </a:p>
         </p:txBody>
       </p:sp>
@@ -3335,8 +3301,21 @@
           <a:p>
             <a:r>
               <a:rPr lang="it-IT" dirty="0"/>
-              <a:t>Tecnologie impiegate</a:t>
-            </a:r>
+              <a:t>Il </a:t>
+            </a:r>
+            <a:r>
+              <a:rPr lang="it-IT" dirty="0" err="1"/>
+              <a:t>Bubble</a:t>
+            </a:r>
+            <a:r>
+              <a:rPr lang="it-IT" dirty="0"/>
+              <a:t> </a:t>
+            </a:r>
+            <a:r>
+              <a:rPr lang="it-IT" dirty="0" err="1"/>
+              <a:t>Flowchart</a:t>
+            </a:r>
+            <a:endParaRPr lang="it-IT" dirty="0"/>
           </a:p>
         </p:txBody>
       </p:sp>
@@ -3350,52 +3329,39 @@
             <p:ph idx="1"/>
           </p:nvPr>
         </p:nvSpPr>
-        <p:spPr/>
+        <p:spPr>
+          <a:xfrm>
+            <a:off x="838200" y="1832769"/>
+            <a:ext cx="10515600" cy="4351338"/>
+          </a:xfrm>
+        </p:spPr>
         <p:txBody>
           <a:bodyPr/>
           <a:lstStyle/>
           <a:p>
             <a:r>
               <a:rPr lang="it-IT" dirty="0"/>
-              <a:t>Uso di tecnologie web</a:t>
+              <a:t>«Bolle» di codice già predisposto all’uso</a:t>
             </a:r>
           </a:p>
           <a:p>
             <a:r>
               <a:rPr lang="it-IT" dirty="0"/>
-              <a:t>Lato server: Java - Tomcat oppure </a:t>
-            </a:r>
-            <a:r>
-              <a:rPr lang="it-IT" dirty="0" err="1"/>
-              <a:t>Javascript</a:t>
-            </a:r>
+              <a:t>Operazioni atomiche dipendenti dal dominio</a:t>
+            </a:r>
+          </a:p>
+          <a:p>
             <a:r>
               <a:rPr lang="it-IT" dirty="0"/>
-              <a:t> – </a:t>
-            </a:r>
-            <a:r>
-              <a:rPr lang="it-IT" dirty="0" err="1"/>
-              <a:t>Node.Js</a:t>
-            </a:r>
-            <a:endParaRPr lang="it-IT" dirty="0"/>
-          </a:p>
-          <a:p>
-            <a:r>
-              <a:rPr lang="it-IT" dirty="0"/>
-              <a:t>Lato client: HTML5 – CSS – </a:t>
-            </a:r>
-            <a:r>
-              <a:rPr lang="it-IT" dirty="0" err="1"/>
-              <a:t>Javascript</a:t>
-            </a:r>
-            <a:endParaRPr lang="it-IT" dirty="0"/>
+              <a:t>Soluzione estensibile: nuovi domini applicativi = nuove bolle</a:t>
+            </a:r>
           </a:p>
         </p:txBody>
       </p:sp>
     </p:spTree>
     <p:extLst>
       <p:ext uri="{BB962C8B-B14F-4D97-AF65-F5344CB8AC3E}">
-        <p14:creationId xmlns:p14="http://schemas.microsoft.com/office/powerpoint/2010/main" val="1225407537"/>
+        <p14:creationId xmlns:p14="http://schemas.microsoft.com/office/powerpoint/2010/main" val="94703112"/>
       </p:ext>
     </p:extLst>
   </p:cSld>
@@ -3439,6 +3405,110 @@
           <a:p>
             <a:r>
               <a:rPr lang="it-IT" dirty="0"/>
+              <a:t>Tecnologie impiegate</a:t>
+            </a:r>
+          </a:p>
+        </p:txBody>
+      </p:sp>
+      <p:sp>
+        <p:nvSpPr>
+          <p:cNvPr id="3" name="Segnaposto contenuto 2"/>
+          <p:cNvSpPr>
+            <a:spLocks noGrp="1"/>
+          </p:cNvSpPr>
+          <p:nvPr>
+            <p:ph idx="1"/>
+          </p:nvPr>
+        </p:nvSpPr>
+        <p:spPr/>
+        <p:txBody>
+          <a:bodyPr/>
+          <a:lstStyle/>
+          <a:p>
+            <a:r>
+              <a:rPr lang="it-IT" dirty="0"/>
+              <a:t>Uso di tecnologie web</a:t>
+            </a:r>
+          </a:p>
+          <a:p>
+            <a:r>
+              <a:rPr lang="it-IT" dirty="0"/>
+              <a:t>Lato server: Java - Tomcat oppure </a:t>
+            </a:r>
+            <a:r>
+              <a:rPr lang="it-IT" dirty="0" err="1"/>
+              <a:t>Javascript</a:t>
+            </a:r>
+            <a:r>
+              <a:rPr lang="it-IT" dirty="0"/>
+              <a:t> – </a:t>
+            </a:r>
+            <a:r>
+              <a:rPr lang="it-IT" dirty="0" err="1"/>
+              <a:t>Node.Js</a:t>
+            </a:r>
+            <a:endParaRPr lang="it-IT" dirty="0"/>
+          </a:p>
+          <a:p>
+            <a:r>
+              <a:rPr lang="it-IT" dirty="0"/>
+              <a:t>Lato client: HTML5 – CSS – </a:t>
+            </a:r>
+            <a:r>
+              <a:rPr lang="it-IT" dirty="0" err="1"/>
+              <a:t>Javascript</a:t>
+            </a:r>
+            <a:endParaRPr lang="it-IT" dirty="0"/>
+          </a:p>
+        </p:txBody>
+      </p:sp>
+    </p:spTree>
+    <p:extLst>
+      <p:ext uri="{BB962C8B-B14F-4D97-AF65-F5344CB8AC3E}">
+        <p14:creationId xmlns:p14="http://schemas.microsoft.com/office/powerpoint/2010/main" val="1225407537"/>
+      </p:ext>
+    </p:extLst>
+  </p:cSld>
+  <p:clrMapOvr>
+    <a:masterClrMapping/>
+  </p:clrMapOvr>
+</p:sld>
+</file>
+
+<file path=ppt/slides/slide6.xml><?xml version="1.0" encoding="utf-8"?>
+<p:sld xmlns:a="http://schemas.openxmlformats.org/drawingml/2006/main" xmlns:r="http://schemas.openxmlformats.org/officeDocument/2006/relationships" xmlns:p="http://schemas.openxmlformats.org/presentationml/2006/main">
+  <p:cSld>
+    <p:spTree>
+      <p:nvGrpSpPr>
+        <p:cNvPr id="1" name=""/>
+        <p:cNvGrpSpPr/>
+        <p:nvPr/>
+      </p:nvGrpSpPr>
+      <p:grpSpPr>
+        <a:xfrm>
+          <a:off x="0" y="0"/>
+          <a:ext cx="0" cy="0"/>
+          <a:chOff x="0" y="0"/>
+          <a:chExt cx="0" cy="0"/>
+        </a:xfrm>
+      </p:grpSpPr>
+      <p:sp>
+        <p:nvSpPr>
+          <p:cNvPr id="2" name="Titolo 1"/>
+          <p:cNvSpPr>
+            <a:spLocks noGrp="1"/>
+          </p:cNvSpPr>
+          <p:nvPr>
+            <p:ph type="title"/>
+          </p:nvPr>
+        </p:nvSpPr>
+        <p:spPr/>
+        <p:txBody>
+          <a:bodyPr/>
+          <a:lstStyle/>
+          <a:p>
+            <a:r>
+              <a:rPr lang="it-IT" dirty="0"/>
               <a:t>Aspetti positivi</a:t>
             </a:r>
           </a:p>
@@ -3491,7 +3561,7 @@
 </p:sld>
 </file>
 
-<file path=ppt/slides/slide6.xml><?xml version="1.0" encoding="utf-8"?>
+<file path=ppt/slides/slide7.xml><?xml version="1.0" encoding="utf-8"?>
 <p:sld xmlns:a="http://schemas.openxmlformats.org/drawingml/2006/main" xmlns:r="http://schemas.openxmlformats.org/officeDocument/2006/relationships" xmlns:p="http://schemas.openxmlformats.org/presentationml/2006/main">
   <p:cSld>
     <p:spTree>
